--- a/Behavior_pattern_요약도.pptx
+++ b/Behavior_pattern_요약도.pptx
@@ -6,6 +6,7 @@
   </p:sldMasterIdLst>
   <p:sldIdLst>
     <p:sldId id="256" r:id="rId2"/>
+    <p:sldId id="257" r:id="rId3"/>
   </p:sldIdLst>
   <p:sldSz cx="12192000" cy="6858000"/>
   <p:notesSz cx="6858000" cy="9144000"/>
@@ -104,6 +105,11 @@
       </a:defRPr>
     </a:lvl9pPr>
   </p:defaultTextStyle>
+  <p:extLst>
+    <p:ext uri="{EFAFB233-063F-42B5-8137-9DF3F51BA10A}">
+      <p15:sldGuideLst xmlns:p15="http://schemas.microsoft.com/office/powerpoint/2012/main"/>
+    </p:ext>
+  </p:extLst>
 </p:presentation>
 </file>
 
@@ -254,7 +260,7 @@
           <a:p>
             <a:fld id="{FC483B29-19DB-4CE8-98CC-4308511AC9AC}" type="datetimeFigureOut">
               <a:rPr lang="ko-KR" altLang="en-US" smtClean="0"/>
-              <a:t>2023-03-25</a:t>
+              <a:t>2023-03-28</a:t>
             </a:fld>
             <a:endParaRPr lang="ko-KR" altLang="en-US"/>
           </a:p>
@@ -452,7 +458,7 @@
           <a:p>
             <a:fld id="{FC483B29-19DB-4CE8-98CC-4308511AC9AC}" type="datetimeFigureOut">
               <a:rPr lang="ko-KR" altLang="en-US" smtClean="0"/>
-              <a:t>2023-03-25</a:t>
+              <a:t>2023-03-28</a:t>
             </a:fld>
             <a:endParaRPr lang="ko-KR" altLang="en-US"/>
           </a:p>
@@ -660,7 +666,7 @@
           <a:p>
             <a:fld id="{FC483B29-19DB-4CE8-98CC-4308511AC9AC}" type="datetimeFigureOut">
               <a:rPr lang="ko-KR" altLang="en-US" smtClean="0"/>
-              <a:t>2023-03-25</a:t>
+              <a:t>2023-03-28</a:t>
             </a:fld>
             <a:endParaRPr lang="ko-KR" altLang="en-US"/>
           </a:p>
@@ -858,7 +864,7 @@
           <a:p>
             <a:fld id="{FC483B29-19DB-4CE8-98CC-4308511AC9AC}" type="datetimeFigureOut">
               <a:rPr lang="ko-KR" altLang="en-US" smtClean="0"/>
-              <a:t>2023-03-25</a:t>
+              <a:t>2023-03-28</a:t>
             </a:fld>
             <a:endParaRPr lang="ko-KR" altLang="en-US"/>
           </a:p>
@@ -1133,7 +1139,7 @@
           <a:p>
             <a:fld id="{FC483B29-19DB-4CE8-98CC-4308511AC9AC}" type="datetimeFigureOut">
               <a:rPr lang="ko-KR" altLang="en-US" smtClean="0"/>
-              <a:t>2023-03-25</a:t>
+              <a:t>2023-03-28</a:t>
             </a:fld>
             <a:endParaRPr lang="ko-KR" altLang="en-US"/>
           </a:p>
@@ -1398,7 +1404,7 @@
           <a:p>
             <a:fld id="{FC483B29-19DB-4CE8-98CC-4308511AC9AC}" type="datetimeFigureOut">
               <a:rPr lang="ko-KR" altLang="en-US" smtClean="0"/>
-              <a:t>2023-03-25</a:t>
+              <a:t>2023-03-28</a:t>
             </a:fld>
             <a:endParaRPr lang="ko-KR" altLang="en-US"/>
           </a:p>
@@ -1810,7 +1816,7 @@
           <a:p>
             <a:fld id="{FC483B29-19DB-4CE8-98CC-4308511AC9AC}" type="datetimeFigureOut">
               <a:rPr lang="ko-KR" altLang="en-US" smtClean="0"/>
-              <a:t>2023-03-25</a:t>
+              <a:t>2023-03-28</a:t>
             </a:fld>
             <a:endParaRPr lang="ko-KR" altLang="en-US"/>
           </a:p>
@@ -1951,7 +1957,7 @@
           <a:p>
             <a:fld id="{FC483B29-19DB-4CE8-98CC-4308511AC9AC}" type="datetimeFigureOut">
               <a:rPr lang="ko-KR" altLang="en-US" smtClean="0"/>
-              <a:t>2023-03-25</a:t>
+              <a:t>2023-03-28</a:t>
             </a:fld>
             <a:endParaRPr lang="ko-KR" altLang="en-US"/>
           </a:p>
@@ -2064,7 +2070,7 @@
           <a:p>
             <a:fld id="{FC483B29-19DB-4CE8-98CC-4308511AC9AC}" type="datetimeFigureOut">
               <a:rPr lang="ko-KR" altLang="en-US" smtClean="0"/>
-              <a:t>2023-03-25</a:t>
+              <a:t>2023-03-28</a:t>
             </a:fld>
             <a:endParaRPr lang="ko-KR" altLang="en-US"/>
           </a:p>
@@ -2375,7 +2381,7 @@
           <a:p>
             <a:fld id="{FC483B29-19DB-4CE8-98CC-4308511AC9AC}" type="datetimeFigureOut">
               <a:rPr lang="ko-KR" altLang="en-US" smtClean="0"/>
-              <a:t>2023-03-25</a:t>
+              <a:t>2023-03-28</a:t>
             </a:fld>
             <a:endParaRPr lang="ko-KR" altLang="en-US"/>
           </a:p>
@@ -2663,7 +2669,7 @@
           <a:p>
             <a:fld id="{FC483B29-19DB-4CE8-98CC-4308511AC9AC}" type="datetimeFigureOut">
               <a:rPr lang="ko-KR" altLang="en-US" smtClean="0"/>
-              <a:t>2023-03-25</a:t>
+              <a:t>2023-03-28</a:t>
             </a:fld>
             <a:endParaRPr lang="ko-KR" altLang="en-US"/>
           </a:p>
@@ -2904,7 +2910,7 @@
           <a:p>
             <a:fld id="{FC483B29-19DB-4CE8-98CC-4308511AC9AC}" type="datetimeFigureOut">
               <a:rPr lang="ko-KR" altLang="en-US" smtClean="0"/>
-              <a:t>2023-03-25</a:t>
+              <a:t>2023-03-28</a:t>
             </a:fld>
             <a:endParaRPr lang="ko-KR" altLang="en-US"/>
           </a:p>
@@ -3838,6 +3844,694 @@
 </p:sld>
 </file>
 
+<file path=ppt/slides/slide2.xml><?xml version="1.0" encoding="utf-8"?>
+<p:sld xmlns:a="http://schemas.openxmlformats.org/drawingml/2006/main" xmlns:r="http://schemas.openxmlformats.org/officeDocument/2006/relationships" xmlns:p="http://schemas.openxmlformats.org/presentationml/2006/main">
+  <p:cSld>
+    <p:spTree>
+      <p:nvGrpSpPr>
+        <p:cNvPr id="1" name=""/>
+        <p:cNvGrpSpPr/>
+        <p:nvPr/>
+      </p:nvGrpSpPr>
+      <p:grpSpPr>
+        <a:xfrm>
+          <a:off x="0" y="0"/>
+          <a:ext cx="0" cy="0"/>
+          <a:chOff x="0" y="0"/>
+          <a:chExt cx="0" cy="0"/>
+        </a:xfrm>
+      </p:grpSpPr>
+      <p:sp>
+        <p:nvSpPr>
+          <p:cNvPr id="2" name="TextBox 1">
+            <a:extLst>
+              <a:ext uri="{FF2B5EF4-FFF2-40B4-BE49-F238E27FC236}">
+                <a16:creationId xmlns:a16="http://schemas.microsoft.com/office/drawing/2014/main" id="{F8C443A7-ED40-B6DB-5F34-A49678E7F02E}"/>
+              </a:ext>
+            </a:extLst>
+          </p:cNvPr>
+          <p:cNvSpPr txBox="1"/>
+          <p:nvPr/>
+        </p:nvSpPr>
+        <p:spPr>
+          <a:xfrm>
+            <a:off x="1057275" y="809625"/>
+            <a:ext cx="3461973" cy="369332"/>
+          </a:xfrm>
+          <a:prstGeom prst="rect">
+            <a:avLst/>
+          </a:prstGeom>
+          <a:noFill/>
+        </p:spPr>
+        <p:txBody>
+          <a:bodyPr wrap="none" rtlCol="0">
+            <a:spAutoFit/>
+          </a:bodyPr>
+          <a:lstStyle/>
+          <a:p>
+            <a:r>
+              <a:rPr lang="en-US" altLang="ko-KR" dirty="0"/>
+              <a:t>Command pattern</a:t>
+            </a:r>
+            <a:r>
+              <a:rPr lang="ko-KR" altLang="en-US" dirty="0"/>
+              <a:t> </a:t>
+            </a:r>
+            <a:r>
+              <a:rPr lang="en-US" altLang="ko-KR" dirty="0"/>
+              <a:t>(</a:t>
+            </a:r>
+            <a:r>
+              <a:rPr lang="ko-KR" altLang="en-US" dirty="0"/>
+              <a:t>명령 패턴</a:t>
+            </a:r>
+            <a:r>
+              <a:rPr lang="en-US" altLang="ko-KR" dirty="0"/>
+              <a:t>) :</a:t>
+            </a:r>
+            <a:endParaRPr lang="ko-KR" altLang="en-US" dirty="0"/>
+          </a:p>
+        </p:txBody>
+      </p:sp>
+      <p:sp>
+        <p:nvSpPr>
+          <p:cNvPr id="3" name="직사각형 2">
+            <a:extLst>
+              <a:ext uri="{FF2B5EF4-FFF2-40B4-BE49-F238E27FC236}">
+                <a16:creationId xmlns:a16="http://schemas.microsoft.com/office/drawing/2014/main" id="{6BECA0A5-4BD3-FB19-7750-5D465BB1DDAD}"/>
+              </a:ext>
+            </a:extLst>
+          </p:cNvPr>
+          <p:cNvSpPr/>
+          <p:nvPr/>
+        </p:nvSpPr>
+        <p:spPr>
+          <a:xfrm>
+            <a:off x="3362324" y="1485900"/>
+            <a:ext cx="1156923" cy="600075"/>
+          </a:xfrm>
+          <a:prstGeom prst="rect">
+            <a:avLst/>
+          </a:prstGeom>
+        </p:spPr>
+        <p:style>
+          <a:lnRef idx="2">
+            <a:schemeClr val="accent1">
+              <a:shade val="50000"/>
+            </a:schemeClr>
+          </a:lnRef>
+          <a:fillRef idx="1">
+            <a:schemeClr val="accent1"/>
+          </a:fillRef>
+          <a:effectRef idx="0">
+            <a:schemeClr val="accent1"/>
+          </a:effectRef>
+          <a:fontRef idx="minor">
+            <a:schemeClr val="lt1"/>
+          </a:fontRef>
+        </p:style>
+        <p:txBody>
+          <a:bodyPr rtlCol="0" anchor="ctr"/>
+          <a:lstStyle/>
+          <a:p>
+            <a:pPr algn="ctr"/>
+            <a:r>
+              <a:rPr lang="en-US" altLang="ko-KR" dirty="0"/>
+              <a:t>Invoker</a:t>
+            </a:r>
+            <a:endParaRPr lang="ko-KR" altLang="en-US" dirty="0"/>
+          </a:p>
+        </p:txBody>
+      </p:sp>
+      <p:sp>
+        <p:nvSpPr>
+          <p:cNvPr id="4" name="직사각형 3">
+            <a:extLst>
+              <a:ext uri="{FF2B5EF4-FFF2-40B4-BE49-F238E27FC236}">
+                <a16:creationId xmlns:a16="http://schemas.microsoft.com/office/drawing/2014/main" id="{AEC1F465-78FF-8FE8-8096-2428519BD3C8}"/>
+              </a:ext>
+            </a:extLst>
+          </p:cNvPr>
+          <p:cNvSpPr/>
+          <p:nvPr/>
+        </p:nvSpPr>
+        <p:spPr>
+          <a:xfrm>
+            <a:off x="5701079" y="1395412"/>
+            <a:ext cx="1685926" cy="781050"/>
+          </a:xfrm>
+          <a:prstGeom prst="rect">
+            <a:avLst/>
+          </a:prstGeom>
+        </p:spPr>
+        <p:style>
+          <a:lnRef idx="2">
+            <a:schemeClr val="accent1">
+              <a:shade val="50000"/>
+            </a:schemeClr>
+          </a:lnRef>
+          <a:fillRef idx="1">
+            <a:schemeClr val="accent1"/>
+          </a:fillRef>
+          <a:effectRef idx="0">
+            <a:schemeClr val="accent1"/>
+          </a:effectRef>
+          <a:fontRef idx="minor">
+            <a:schemeClr val="lt1"/>
+          </a:fontRef>
+        </p:style>
+        <p:txBody>
+          <a:bodyPr rtlCol="0" anchor="ctr"/>
+          <a:lstStyle/>
+          <a:p>
+            <a:pPr algn="ctr"/>
+            <a:r>
+              <a:rPr lang="en-US" altLang="ko-KR" dirty="0"/>
+              <a:t>Command</a:t>
+            </a:r>
+          </a:p>
+          <a:p>
+            <a:pPr algn="ctr"/>
+            <a:r>
+              <a:rPr lang="en-US" altLang="ko-KR" dirty="0"/>
+              <a:t>(</a:t>
+            </a:r>
+            <a:r>
+              <a:rPr lang="en-US" altLang="ko-KR" dirty="0" err="1"/>
+              <a:t>excute</a:t>
+            </a:r>
+            <a:r>
+              <a:rPr lang="en-US" altLang="ko-KR" dirty="0"/>
+              <a:t>())</a:t>
+            </a:r>
+            <a:endParaRPr lang="ko-KR" altLang="en-US" dirty="0"/>
+          </a:p>
+        </p:txBody>
+      </p:sp>
+      <p:sp>
+        <p:nvSpPr>
+          <p:cNvPr id="5" name="직사각형 4">
+            <a:extLst>
+              <a:ext uri="{FF2B5EF4-FFF2-40B4-BE49-F238E27FC236}">
+                <a16:creationId xmlns:a16="http://schemas.microsoft.com/office/drawing/2014/main" id="{DB2B4C8A-442F-5813-B6B1-8872996C299F}"/>
+              </a:ext>
+            </a:extLst>
+          </p:cNvPr>
+          <p:cNvSpPr/>
+          <p:nvPr/>
+        </p:nvSpPr>
+        <p:spPr>
+          <a:xfrm>
+            <a:off x="3362324" y="2590800"/>
+            <a:ext cx="1156923" cy="600075"/>
+          </a:xfrm>
+          <a:prstGeom prst="rect">
+            <a:avLst/>
+          </a:prstGeom>
+        </p:spPr>
+        <p:style>
+          <a:lnRef idx="2">
+            <a:schemeClr val="accent1">
+              <a:shade val="50000"/>
+            </a:schemeClr>
+          </a:lnRef>
+          <a:fillRef idx="1">
+            <a:schemeClr val="accent1"/>
+          </a:fillRef>
+          <a:effectRef idx="0">
+            <a:schemeClr val="accent1"/>
+          </a:effectRef>
+          <a:fontRef idx="minor">
+            <a:schemeClr val="lt1"/>
+          </a:fontRef>
+        </p:style>
+        <p:txBody>
+          <a:bodyPr rtlCol="0" anchor="ctr"/>
+          <a:lstStyle/>
+          <a:p>
+            <a:pPr algn="ctr"/>
+            <a:r>
+              <a:rPr lang="en-US" altLang="ko-KR" dirty="0"/>
+              <a:t>Receiver</a:t>
+            </a:r>
+          </a:p>
+          <a:p>
+            <a:pPr algn="ctr"/>
+            <a:r>
+              <a:rPr lang="en-US" altLang="ko-KR" dirty="0"/>
+              <a:t>(Action())</a:t>
+            </a:r>
+            <a:endParaRPr lang="ko-KR" altLang="en-US" dirty="0"/>
+          </a:p>
+        </p:txBody>
+      </p:sp>
+      <p:sp>
+        <p:nvSpPr>
+          <p:cNvPr id="7" name="직사각형 6">
+            <a:extLst>
+              <a:ext uri="{FF2B5EF4-FFF2-40B4-BE49-F238E27FC236}">
+                <a16:creationId xmlns:a16="http://schemas.microsoft.com/office/drawing/2014/main" id="{B43502D1-148A-0335-3E85-477FEB26835B}"/>
+              </a:ext>
+            </a:extLst>
+          </p:cNvPr>
+          <p:cNvSpPr/>
+          <p:nvPr/>
+        </p:nvSpPr>
+        <p:spPr>
+          <a:xfrm>
+            <a:off x="5415329" y="2409823"/>
+            <a:ext cx="2257426" cy="962027"/>
+          </a:xfrm>
+          <a:prstGeom prst="rect">
+            <a:avLst/>
+          </a:prstGeom>
+        </p:spPr>
+        <p:style>
+          <a:lnRef idx="2">
+            <a:schemeClr val="accent1">
+              <a:shade val="50000"/>
+            </a:schemeClr>
+          </a:lnRef>
+          <a:fillRef idx="1">
+            <a:schemeClr val="accent1"/>
+          </a:fillRef>
+          <a:effectRef idx="0">
+            <a:schemeClr val="accent1"/>
+          </a:effectRef>
+          <a:fontRef idx="minor">
+            <a:schemeClr val="lt1"/>
+          </a:fontRef>
+        </p:style>
+        <p:txBody>
+          <a:bodyPr rtlCol="0" anchor="ctr"/>
+          <a:lstStyle/>
+          <a:p>
+            <a:pPr algn="ctr"/>
+            <a:r>
+              <a:rPr lang="en-US" altLang="ko-KR" dirty="0" err="1"/>
+              <a:t>ConcreteCommand</a:t>
+            </a:r>
+            <a:endParaRPr lang="en-US" altLang="ko-KR" dirty="0"/>
+          </a:p>
+          <a:p>
+            <a:pPr algn="ctr"/>
+            <a:r>
+              <a:rPr lang="en-US" altLang="ko-KR" dirty="0"/>
+              <a:t>(</a:t>
+            </a:r>
+            <a:r>
+              <a:rPr lang="en-US" altLang="ko-KR" dirty="0" err="1"/>
+              <a:t>excuter</a:t>
+            </a:r>
+            <a:r>
+              <a:rPr lang="en-US" altLang="ko-KR" dirty="0"/>
+              <a:t>())</a:t>
+            </a:r>
+            <a:endParaRPr lang="ko-KR" altLang="en-US" dirty="0"/>
+          </a:p>
+        </p:txBody>
+      </p:sp>
+      <p:sp>
+        <p:nvSpPr>
+          <p:cNvPr id="8" name="직사각형 7">
+            <a:extLst>
+              <a:ext uri="{FF2B5EF4-FFF2-40B4-BE49-F238E27FC236}">
+                <a16:creationId xmlns:a16="http://schemas.microsoft.com/office/drawing/2014/main" id="{196E55D1-6706-3482-6E4D-A9D7F6CC44F1}"/>
+              </a:ext>
+            </a:extLst>
+          </p:cNvPr>
+          <p:cNvSpPr/>
+          <p:nvPr/>
+        </p:nvSpPr>
+        <p:spPr>
+          <a:xfrm>
+            <a:off x="8305801" y="2524125"/>
+            <a:ext cx="1562100" cy="728664"/>
+          </a:xfrm>
+          <a:prstGeom prst="rect">
+            <a:avLst/>
+          </a:prstGeom>
+        </p:spPr>
+        <p:style>
+          <a:lnRef idx="2">
+            <a:schemeClr val="accent1">
+              <a:shade val="50000"/>
+            </a:schemeClr>
+          </a:lnRef>
+          <a:fillRef idx="1">
+            <a:schemeClr val="accent1"/>
+          </a:fillRef>
+          <a:effectRef idx="0">
+            <a:schemeClr val="accent1"/>
+          </a:effectRef>
+          <a:fontRef idx="minor">
+            <a:schemeClr val="lt1"/>
+          </a:fontRef>
+        </p:style>
+        <p:txBody>
+          <a:bodyPr rtlCol="0" anchor="ctr"/>
+          <a:lstStyle/>
+          <a:p>
+            <a:pPr algn="ctr"/>
+            <a:r>
+              <a:rPr lang="en-US" altLang="ko-KR" dirty="0" err="1"/>
+              <a:t>Recevier</a:t>
+            </a:r>
+            <a:r>
+              <a:rPr lang="en-US" altLang="ko-KR" dirty="0"/>
+              <a:t> -&gt; action()</a:t>
+            </a:r>
+            <a:endParaRPr lang="ko-KR" altLang="en-US" dirty="0"/>
+          </a:p>
+        </p:txBody>
+      </p:sp>
+      <p:sp>
+        <p:nvSpPr>
+          <p:cNvPr id="9" name="타원 8">
+            <a:extLst>
+              <a:ext uri="{FF2B5EF4-FFF2-40B4-BE49-F238E27FC236}">
+                <a16:creationId xmlns:a16="http://schemas.microsoft.com/office/drawing/2014/main" id="{E140EA4C-C7EE-2EBD-3D6C-3A899003D6F5}"/>
+              </a:ext>
+            </a:extLst>
+          </p:cNvPr>
+          <p:cNvSpPr/>
+          <p:nvPr/>
+        </p:nvSpPr>
+        <p:spPr>
+          <a:xfrm>
+            <a:off x="1304558" y="1476375"/>
+            <a:ext cx="1466850" cy="666750"/>
+          </a:xfrm>
+          <a:prstGeom prst="ellipse">
+            <a:avLst/>
+          </a:prstGeom>
+        </p:spPr>
+        <p:style>
+          <a:lnRef idx="2">
+            <a:schemeClr val="accent1">
+              <a:shade val="50000"/>
+            </a:schemeClr>
+          </a:lnRef>
+          <a:fillRef idx="1">
+            <a:schemeClr val="accent1"/>
+          </a:fillRef>
+          <a:effectRef idx="0">
+            <a:schemeClr val="accent1"/>
+          </a:effectRef>
+          <a:fontRef idx="minor">
+            <a:schemeClr val="lt1"/>
+          </a:fontRef>
+        </p:style>
+        <p:txBody>
+          <a:bodyPr rtlCol="0" anchor="ctr"/>
+          <a:lstStyle/>
+          <a:p>
+            <a:pPr algn="ctr"/>
+            <a:r>
+              <a:rPr lang="en-US" altLang="ko-KR" dirty="0"/>
+              <a:t>client</a:t>
+            </a:r>
+            <a:endParaRPr lang="ko-KR" altLang="en-US" dirty="0"/>
+          </a:p>
+        </p:txBody>
+      </p:sp>
+      <p:cxnSp>
+        <p:nvCxnSpPr>
+          <p:cNvPr id="11" name="연결선: 꺾임 10">
+            <a:extLst>
+              <a:ext uri="{FF2B5EF4-FFF2-40B4-BE49-F238E27FC236}">
+                <a16:creationId xmlns:a16="http://schemas.microsoft.com/office/drawing/2014/main" id="{EDFC4237-4FE0-0002-197C-2FCFDE9BA765}"/>
+              </a:ext>
+            </a:extLst>
+          </p:cNvPr>
+          <p:cNvCxnSpPr>
+            <a:stCxn id="9" idx="4"/>
+            <a:endCxn id="5" idx="1"/>
+          </p:cNvCxnSpPr>
+          <p:nvPr/>
+        </p:nvCxnSpPr>
+        <p:spPr>
+          <a:xfrm rot="16200000" flipH="1">
+            <a:off x="2326297" y="1854810"/>
+            <a:ext cx="747713" cy="1324341"/>
+          </a:xfrm>
+          <a:prstGeom prst="bentConnector2">
+            <a:avLst/>
+          </a:prstGeom>
+          <a:ln>
+            <a:tailEnd type="triangle"/>
+          </a:ln>
+        </p:spPr>
+        <p:style>
+          <a:lnRef idx="1">
+            <a:schemeClr val="accent1"/>
+          </a:lnRef>
+          <a:fillRef idx="0">
+            <a:schemeClr val="accent1"/>
+          </a:fillRef>
+          <a:effectRef idx="0">
+            <a:schemeClr val="accent1"/>
+          </a:effectRef>
+          <a:fontRef idx="minor">
+            <a:schemeClr val="tx1"/>
+          </a:fontRef>
+        </p:style>
+      </p:cxnSp>
+      <p:cxnSp>
+        <p:nvCxnSpPr>
+          <p:cNvPr id="15" name="직선 화살표 연결선 14">
+            <a:extLst>
+              <a:ext uri="{FF2B5EF4-FFF2-40B4-BE49-F238E27FC236}">
+                <a16:creationId xmlns:a16="http://schemas.microsoft.com/office/drawing/2014/main" id="{C9B145CD-C4F4-79DE-3535-3F4283211C07}"/>
+              </a:ext>
+            </a:extLst>
+          </p:cNvPr>
+          <p:cNvCxnSpPr>
+            <a:stCxn id="7" idx="1"/>
+            <a:endCxn id="5" idx="3"/>
+          </p:cNvCxnSpPr>
+          <p:nvPr/>
+        </p:nvCxnSpPr>
+        <p:spPr>
+          <a:xfrm flipH="1">
+            <a:off x="4519247" y="2890837"/>
+            <a:ext cx="896082" cy="1"/>
+          </a:xfrm>
+          <a:prstGeom prst="straightConnector1">
+            <a:avLst/>
+          </a:prstGeom>
+          <a:ln>
+            <a:tailEnd type="triangle"/>
+          </a:ln>
+        </p:spPr>
+        <p:style>
+          <a:lnRef idx="1">
+            <a:schemeClr val="accent1"/>
+          </a:lnRef>
+          <a:fillRef idx="0">
+            <a:schemeClr val="accent1"/>
+          </a:fillRef>
+          <a:effectRef idx="0">
+            <a:schemeClr val="accent1"/>
+          </a:effectRef>
+          <a:fontRef idx="minor">
+            <a:schemeClr val="tx1"/>
+          </a:fontRef>
+        </p:style>
+      </p:cxnSp>
+      <p:cxnSp>
+        <p:nvCxnSpPr>
+          <p:cNvPr id="17" name="직선 화살표 연결선 16">
+            <a:extLst>
+              <a:ext uri="{FF2B5EF4-FFF2-40B4-BE49-F238E27FC236}">
+                <a16:creationId xmlns:a16="http://schemas.microsoft.com/office/drawing/2014/main" id="{8CA414EA-B7C4-07F0-6E0F-32FAFEA590B3}"/>
+              </a:ext>
+            </a:extLst>
+          </p:cNvPr>
+          <p:cNvCxnSpPr>
+            <a:cxnSpLocks/>
+            <a:stCxn id="7" idx="3"/>
+            <a:endCxn id="8" idx="1"/>
+          </p:cNvCxnSpPr>
+          <p:nvPr/>
+        </p:nvCxnSpPr>
+        <p:spPr>
+          <a:xfrm flipV="1">
+            <a:off x="7672755" y="2888457"/>
+            <a:ext cx="633046" cy="2380"/>
+          </a:xfrm>
+          <a:prstGeom prst="straightConnector1">
+            <a:avLst/>
+          </a:prstGeom>
+          <a:ln>
+            <a:solidFill>
+              <a:schemeClr val="accent2"/>
+            </a:solidFill>
+            <a:prstDash val="dashDot"/>
+            <a:tailEnd type="triangle"/>
+          </a:ln>
+        </p:spPr>
+        <p:style>
+          <a:lnRef idx="1">
+            <a:schemeClr val="accent1"/>
+          </a:lnRef>
+          <a:fillRef idx="0">
+            <a:schemeClr val="accent1"/>
+          </a:fillRef>
+          <a:effectRef idx="0">
+            <a:schemeClr val="accent1"/>
+          </a:effectRef>
+          <a:fontRef idx="minor">
+            <a:schemeClr val="tx1"/>
+          </a:fontRef>
+        </p:style>
+      </p:cxnSp>
+      <p:cxnSp>
+        <p:nvCxnSpPr>
+          <p:cNvPr id="21" name="연결선: 꺾임 20">
+            <a:extLst>
+              <a:ext uri="{FF2B5EF4-FFF2-40B4-BE49-F238E27FC236}">
+                <a16:creationId xmlns:a16="http://schemas.microsoft.com/office/drawing/2014/main" id="{6DE628A4-E328-EE5A-05D9-0F1999E678B1}"/>
+              </a:ext>
+            </a:extLst>
+          </p:cNvPr>
+          <p:cNvCxnSpPr>
+            <a:stCxn id="9" idx="3"/>
+            <a:endCxn id="7" idx="2"/>
+          </p:cNvCxnSpPr>
+          <p:nvPr/>
+        </p:nvCxnSpPr>
+        <p:spPr>
+          <a:xfrm rot="16200000" flipH="1">
+            <a:off x="3368523" y="196331"/>
+            <a:ext cx="1326368" cy="5024669"/>
+          </a:xfrm>
+          <a:prstGeom prst="bentConnector3">
+            <a:avLst>
+              <a:gd name="adj1" fmla="val 117235"/>
+            </a:avLst>
+          </a:prstGeom>
+          <a:ln>
+            <a:solidFill>
+              <a:schemeClr val="accent2"/>
+            </a:solidFill>
+            <a:prstDash val="dashDot"/>
+            <a:tailEnd type="triangle"/>
+          </a:ln>
+        </p:spPr>
+        <p:style>
+          <a:lnRef idx="1">
+            <a:schemeClr val="accent1"/>
+          </a:lnRef>
+          <a:fillRef idx="0">
+            <a:schemeClr val="accent1"/>
+          </a:fillRef>
+          <a:effectRef idx="0">
+            <a:schemeClr val="accent1"/>
+          </a:effectRef>
+          <a:fontRef idx="minor">
+            <a:schemeClr val="tx1"/>
+          </a:fontRef>
+        </p:style>
+      </p:cxnSp>
+      <p:cxnSp>
+        <p:nvCxnSpPr>
+          <p:cNvPr id="23" name="직선 화살표 연결선 22">
+            <a:extLst>
+              <a:ext uri="{FF2B5EF4-FFF2-40B4-BE49-F238E27FC236}">
+                <a16:creationId xmlns:a16="http://schemas.microsoft.com/office/drawing/2014/main" id="{5C7423E9-2B56-EC2B-C34F-2615F1733354}"/>
+              </a:ext>
+            </a:extLst>
+          </p:cNvPr>
+          <p:cNvCxnSpPr>
+            <a:stCxn id="3" idx="3"/>
+            <a:endCxn id="4" idx="1"/>
+          </p:cNvCxnSpPr>
+          <p:nvPr/>
+        </p:nvCxnSpPr>
+        <p:spPr>
+          <a:xfrm flipV="1">
+            <a:off x="4519247" y="1785937"/>
+            <a:ext cx="1181832" cy="1"/>
+          </a:xfrm>
+          <a:prstGeom prst="straightConnector1">
+            <a:avLst/>
+          </a:prstGeom>
+          <a:ln>
+            <a:tailEnd type="triangle"/>
+          </a:ln>
+        </p:spPr>
+        <p:style>
+          <a:lnRef idx="1">
+            <a:schemeClr val="accent1"/>
+          </a:lnRef>
+          <a:fillRef idx="0">
+            <a:schemeClr val="accent1"/>
+          </a:fillRef>
+          <a:effectRef idx="0">
+            <a:schemeClr val="accent1"/>
+          </a:effectRef>
+          <a:fontRef idx="minor">
+            <a:schemeClr val="tx1"/>
+          </a:fontRef>
+        </p:style>
+      </p:cxnSp>
+      <p:cxnSp>
+        <p:nvCxnSpPr>
+          <p:cNvPr id="25" name="직선 화살표 연결선 24">
+            <a:extLst>
+              <a:ext uri="{FF2B5EF4-FFF2-40B4-BE49-F238E27FC236}">
+                <a16:creationId xmlns:a16="http://schemas.microsoft.com/office/drawing/2014/main" id="{1E27FC39-7644-C916-BDAB-FAED38BA55A4}"/>
+              </a:ext>
+            </a:extLst>
+          </p:cNvPr>
+          <p:cNvCxnSpPr>
+            <a:cxnSpLocks/>
+            <a:stCxn id="4" idx="2"/>
+            <a:endCxn id="7" idx="0"/>
+          </p:cNvCxnSpPr>
+          <p:nvPr/>
+        </p:nvCxnSpPr>
+        <p:spPr>
+          <a:xfrm>
+            <a:off x="6544042" y="2176462"/>
+            <a:ext cx="0" cy="233361"/>
+          </a:xfrm>
+          <a:prstGeom prst="straightConnector1">
+            <a:avLst/>
+          </a:prstGeom>
+          <a:ln>
+            <a:tailEnd type="triangle"/>
+          </a:ln>
+        </p:spPr>
+        <p:style>
+          <a:lnRef idx="1">
+            <a:schemeClr val="accent1"/>
+          </a:lnRef>
+          <a:fillRef idx="0">
+            <a:schemeClr val="accent1"/>
+          </a:fillRef>
+          <a:effectRef idx="0">
+            <a:schemeClr val="accent1"/>
+          </a:effectRef>
+          <a:fontRef idx="minor">
+            <a:schemeClr val="tx1"/>
+          </a:fontRef>
+        </p:style>
+      </p:cxnSp>
+    </p:spTree>
+    <p:extLst>
+      <p:ext uri="{BB962C8B-B14F-4D97-AF65-F5344CB8AC3E}">
+        <p14:creationId xmlns:p14="http://schemas.microsoft.com/office/powerpoint/2010/main" val="84230918"/>
+      </p:ext>
+    </p:extLst>
+  </p:cSld>
+  <p:clrMapOvr>
+    <a:masterClrMapping/>
+  </p:clrMapOvr>
+</p:sld>
+</file>
+
 <file path=ppt/theme/theme1.xml><?xml version="1.0" encoding="utf-8"?>
 <a:theme xmlns:a="http://schemas.openxmlformats.org/drawingml/2006/main" name="Office 테마">
   <a:themeElements>
